--- a/KUGODS Junior Algorithm study/정규세션 알고리즘 2주차.pptx
+++ b/KUGODS Junior Algorithm study/정규세션 알고리즘 2주차.pptx
@@ -215,7 +215,7 @@
           <a:p>
             <a:fld id="{BA464F65-D7CD-E542-8396-8B51408E64CA}" type="datetimeFigureOut">
               <a:rPr kumimoji="1" lang="ko-Kore-KR" altLang="en-US" smtClean="0"/>
-              <a:t>2022. 10. 31.</a:t>
+              <a:t>2022. 11. 9.</a:t>
             </a:fld>
             <a:endParaRPr kumimoji="1" lang="ko-Kore-KR" altLang="en-US"/>
           </a:p>
@@ -392,7 +392,7 @@
           <a:p>
             <a:fld id="{2EE59314-3B37-F245-9B8F-A2A1C0353C67}" type="datetimeFigureOut">
               <a:rPr kumimoji="1" lang="ko-Kore-KR" altLang="en-US" smtClean="0"/>
-              <a:t>2022. 10. 31.</a:t>
+              <a:t>2022. 11. 9.</a:t>
             </a:fld>
             <a:endParaRPr kumimoji="1" lang="ko-Kore-KR" altLang="en-US"/>
           </a:p>
@@ -823,7 +823,7 @@
           <a:p>
             <a:fld id="{09EBD7DB-1E76-534E-8822-F10881A41233}" type="datetimeFigureOut">
               <a:rPr kumimoji="1" lang="ko-Kore-KR" altLang="en-US" smtClean="0"/>
-              <a:t>2022. 10. 31.</a:t>
+              <a:t>2022. 11. 9.</a:t>
             </a:fld>
             <a:endParaRPr kumimoji="1" lang="ko-Kore-KR" altLang="en-US"/>
           </a:p>
@@ -1063,7 +1063,7 @@
           <a:p>
             <a:fld id="{09EBD7DB-1E76-534E-8822-F10881A41233}" type="datetimeFigureOut">
               <a:rPr kumimoji="1" lang="ko-Kore-KR" altLang="en-US" smtClean="0"/>
-              <a:t>2022. 10. 31.</a:t>
+              <a:t>2022. 11. 9.</a:t>
             </a:fld>
             <a:endParaRPr kumimoji="1" lang="ko-Kore-KR" altLang="en-US"/>
           </a:p>
@@ -1303,7 +1303,7 @@
           <a:p>
             <a:fld id="{09EBD7DB-1E76-534E-8822-F10881A41233}" type="datetimeFigureOut">
               <a:rPr kumimoji="1" lang="ko-Kore-KR" altLang="en-US" smtClean="0"/>
-              <a:t>2022. 10. 31.</a:t>
+              <a:t>2022. 11. 9.</a:t>
             </a:fld>
             <a:endParaRPr kumimoji="1" lang="ko-Kore-KR" altLang="en-US"/>
           </a:p>
@@ -1743,7 +1743,7 @@
           <a:p>
             <a:fld id="{09EBD7DB-1E76-534E-8822-F10881A41233}" type="datetimeFigureOut">
               <a:rPr kumimoji="1" lang="ko-Kore-KR" altLang="en-US" smtClean="0"/>
-              <a:t>2022. 10. 31.</a:t>
+              <a:t>2022. 11. 9.</a:t>
             </a:fld>
             <a:endParaRPr kumimoji="1" lang="ko-Kore-KR" altLang="en-US"/>
           </a:p>
@@ -2049,7 +2049,7 @@
           <a:p>
             <a:fld id="{09EBD7DB-1E76-534E-8822-F10881A41233}" type="datetimeFigureOut">
               <a:rPr kumimoji="1" lang="ko-Kore-KR" altLang="en-US" smtClean="0"/>
-              <a:t>2022. 10. 31.</a:t>
+              <a:t>2022. 11. 9.</a:t>
             </a:fld>
             <a:endParaRPr kumimoji="1" lang="ko-Kore-KR" altLang="en-US"/>
           </a:p>
@@ -2503,7 +2503,7 @@
           <a:p>
             <a:fld id="{09EBD7DB-1E76-534E-8822-F10881A41233}" type="datetimeFigureOut">
               <a:rPr kumimoji="1" lang="ko-Kore-KR" altLang="en-US" smtClean="0"/>
-              <a:t>2022. 10. 31.</a:t>
+              <a:t>2022. 11. 9.</a:t>
             </a:fld>
             <a:endParaRPr kumimoji="1" lang="ko-Kore-KR" altLang="en-US"/>
           </a:p>
@@ -2677,7 +2677,7 @@
           <a:p>
             <a:fld id="{09EBD7DB-1E76-534E-8822-F10881A41233}" type="datetimeFigureOut">
               <a:rPr kumimoji="1" lang="ko-Kore-KR" altLang="en-US" smtClean="0"/>
-              <a:t>2022. 10. 31.</a:t>
+              <a:t>2022. 11. 9.</a:t>
             </a:fld>
             <a:endParaRPr kumimoji="1" lang="ko-Kore-KR" altLang="en-US"/>
           </a:p>
@@ -2814,7 +2814,7 @@
           <a:p>
             <a:fld id="{09EBD7DB-1E76-534E-8822-F10881A41233}" type="datetimeFigureOut">
               <a:rPr kumimoji="1" lang="ko-Kore-KR" altLang="en-US" smtClean="0"/>
-              <a:t>2022. 10. 31.</a:t>
+              <a:t>2022. 11. 9.</a:t>
             </a:fld>
             <a:endParaRPr kumimoji="1" lang="ko-Kore-KR" altLang="en-US"/>
           </a:p>
@@ -3160,7 +3160,7 @@
           <a:p>
             <a:fld id="{09EBD7DB-1E76-534E-8822-F10881A41233}" type="datetimeFigureOut">
               <a:rPr kumimoji="1" lang="ko-Kore-KR" altLang="en-US" smtClean="0"/>
-              <a:t>2022. 10. 31.</a:t>
+              <a:t>2022. 11. 9.</a:t>
             </a:fld>
             <a:endParaRPr kumimoji="1" lang="ko-Kore-KR" altLang="en-US"/>
           </a:p>
@@ -3482,7 +3482,7 @@
           <a:p>
             <a:fld id="{09EBD7DB-1E76-534E-8822-F10881A41233}" type="datetimeFigureOut">
               <a:rPr kumimoji="1" lang="ko-Kore-KR" altLang="en-US" smtClean="0"/>
-              <a:t>2022. 10. 31.</a:t>
+              <a:t>2022. 11. 9.</a:t>
             </a:fld>
             <a:endParaRPr kumimoji="1" lang="ko-Kore-KR" altLang="en-US"/>
           </a:p>
@@ -4163,7 +4163,19 @@
                 <a:latin typeface="NanumSquareOTF_ac" panose="020B0600000101010101" pitchFamily="34" charset="-127"/>
                 <a:ea typeface="NanumSquareOTF_ac" panose="020B0600000101010101" pitchFamily="34" charset="-127"/>
               </a:rPr>
-              <a:t>3Q~4Q</a:t>
+              <a:t>3Q</a:t>
+            </a:r>
+            <a:r>
+              <a:rPr kumimoji="1" lang="en-US" altLang="ko-KR" sz="3200">
+                <a:solidFill>
+                  <a:schemeClr val="bg1">
+                    <a:lumMod val="50000"/>
+                  </a:schemeClr>
+                </a:solidFill>
+                <a:latin typeface="NanumSquareOTF_ac" panose="020B0600000101010101" pitchFamily="34" charset="-127"/>
+                <a:ea typeface="NanumSquareOTF_ac" panose="020B0600000101010101" pitchFamily="34" charset="-127"/>
+              </a:rPr>
+              <a:t>~4Q </a:t>
             </a:r>
             <a:endParaRPr kumimoji="1" lang="ko-Kore-KR" altLang="en-US" sz="3200" dirty="0">
               <a:solidFill>
